--- a/assets/lectures/cbw/2024/full/RNASeq_Module3_AbundanceEstimation_DifferentialExpression.pptx
+++ b/assets/lectures/cbw/2024/full/RNASeq_Module3_AbundanceEstimation_DifferentialExpression.pptx
@@ -221,7 +221,7 @@
           <a:p>
             <a:fld id="{827BD9F9-8452-A342-BB1B-28ECF19E2CC5}" type="datetimeFigureOut">
               <a:rPr lang="en-US" smtClean="0"/>
-              <a:t>7/16/23</a:t>
+              <a:t>6/16/24</a:t>
             </a:fld>
             <a:endParaRPr lang="en-US"/>
           </a:p>
@@ -2584,7 +2584,7 @@
   <p:clrMapOvr>
     <a:masterClrMapping/>
   </p:clrMapOvr>
-  <p:extLst mod="1">
+  <p:extLst>
     <p:ext uri="{DCECCB84-F9BA-43D5-87BE-67443E8EF086}">
       <p15:sldGuideLst xmlns:p15="http://schemas.microsoft.com/office/powerpoint/2012/main">
         <p15:guide id="1" orient="horz" pos="2160">
@@ -3161,14 +3161,14 @@
           </a:ln>
           <a:extLst>
             <a:ext uri="{909E8E84-426E-40dd-AFC4-6F175D3DCCD1}">
-              <a14:hiddenFill xmlns:a14="http://schemas.microsoft.com/office/drawing/2010/main" xmlns="">
+              <a14:hiddenFill xmlns="" xmlns:a14="http://schemas.microsoft.com/office/drawing/2010/main">
                 <a:solidFill>
                   <a:srgbClr val="FFFFFF"/>
                 </a:solidFill>
               </a14:hiddenFill>
             </a:ext>
             <a:ext uri="{91240B29-F687-4f45-9708-019B960494DF}">
-              <a14:hiddenLine xmlns:a14="http://schemas.microsoft.com/office/drawing/2010/main" xmlns="" w="9525">
+              <a14:hiddenLine xmlns="" xmlns:a14="http://schemas.microsoft.com/office/drawing/2010/main" w="9525">
                 <a:solidFill>
                   <a:srgbClr val="000000"/>
                 </a:solidFill>
@@ -3418,14 +3418,14 @@
           </a:ln>
           <a:extLst>
             <a:ext uri="{909E8E84-426E-40dd-AFC4-6F175D3DCCD1}">
-              <a14:hiddenFill xmlns:a14="http://schemas.microsoft.com/office/drawing/2010/main" xmlns="">
+              <a14:hiddenFill xmlns="" xmlns:a14="http://schemas.microsoft.com/office/drawing/2010/main">
                 <a:solidFill>
                   <a:srgbClr val="FFFFFF"/>
                 </a:solidFill>
               </a14:hiddenFill>
             </a:ext>
             <a:ext uri="{91240B29-F687-4f45-9708-019B960494DF}">
-              <a14:hiddenLine xmlns:a14="http://schemas.microsoft.com/office/drawing/2010/main" xmlns="" w="9525">
+              <a14:hiddenLine xmlns="" xmlns:a14="http://schemas.microsoft.com/office/drawing/2010/main" w="9525">
                 <a:solidFill>
                   <a:srgbClr val="000000"/>
                 </a:solidFill>
@@ -4938,14 +4938,14 @@
           </a:ln>
           <a:extLst>
             <a:ext uri="{909E8E84-426E-40dd-AFC4-6F175D3DCCD1}">
-              <a14:hiddenFill xmlns:a14="http://schemas.microsoft.com/office/drawing/2010/main" xmlns="">
+              <a14:hiddenFill xmlns="" xmlns:a14="http://schemas.microsoft.com/office/drawing/2010/main">
                 <a:solidFill>
                   <a:srgbClr val="FFFFFF"/>
                 </a:solidFill>
               </a14:hiddenFill>
             </a:ext>
             <a:ext uri="{91240B29-F687-4f45-9708-019B960494DF}">
-              <a14:hiddenLine xmlns:a14="http://schemas.microsoft.com/office/drawing/2010/main" xmlns="" w="9525">
+              <a14:hiddenLine xmlns="" xmlns:a14="http://schemas.microsoft.com/office/drawing/2010/main" w="9525">
                 <a:solidFill>
                   <a:srgbClr val="000000"/>
                 </a:solidFill>
@@ -9515,14 +9515,14 @@
           </a:ln>
           <a:extLst>
             <a:ext uri="{909E8E84-426E-40dd-AFC4-6F175D3DCCD1}">
-              <a14:hiddenFill xmlns="" xmlns:a14="http://schemas.microsoft.com/office/drawing/2010/main">
+              <a14:hiddenFill xmlns:a14="http://schemas.microsoft.com/office/drawing/2010/main" xmlns="">
                 <a:solidFill>
                   <a:srgbClr val="FFFFFF"/>
                 </a:solidFill>
               </a14:hiddenFill>
             </a:ext>
             <a:ext uri="{91240B29-F687-4f45-9708-019B960494DF}">
-              <a14:hiddenLine xmlns="" xmlns:a14="http://schemas.microsoft.com/office/drawing/2010/main" w="9525">
+              <a14:hiddenLine xmlns:a14="http://schemas.microsoft.com/office/drawing/2010/main" xmlns="" w="9525">
                 <a:solidFill>
                   <a:srgbClr val="000000"/>
                 </a:solidFill>
@@ -10003,14 +10003,14 @@
             </a:ln>
             <a:extLst>
               <a:ext uri="{909E8E84-426E-40dd-AFC4-6F175D3DCCD1}">
-                <a14:hiddenFill xmlns="" xmlns:a14="http://schemas.microsoft.com/office/drawing/2010/main">
+                <a14:hiddenFill xmlns:a14="http://schemas.microsoft.com/office/drawing/2010/main" xmlns="">
                   <a:solidFill>
                     <a:srgbClr val="FFFFFF"/>
                   </a:solidFill>
                 </a14:hiddenFill>
               </a:ext>
               <a:ext uri="{91240B29-F687-4f45-9708-019B960494DF}">
-                <a14:hiddenLine xmlns="" xmlns:a14="http://schemas.microsoft.com/office/drawing/2010/main" w="9525">
+                <a14:hiddenLine xmlns:a14="http://schemas.microsoft.com/office/drawing/2010/main" xmlns="" w="9525">
                   <a:solidFill>
                     <a:srgbClr val="000000"/>
                   </a:solidFill>
@@ -10322,14 +10322,14 @@
             </a:ln>
             <a:extLst>
               <a:ext uri="{909E8E84-426E-40dd-AFC4-6F175D3DCCD1}">
-                <a14:hiddenFill xmlns="" xmlns:a14="http://schemas.microsoft.com/office/drawing/2010/main">
+                <a14:hiddenFill xmlns:a14="http://schemas.microsoft.com/office/drawing/2010/main" xmlns="">
                   <a:solidFill>
                     <a:srgbClr val="FFFFFF"/>
                   </a:solidFill>
                 </a14:hiddenFill>
               </a:ext>
               <a:ext uri="{91240B29-F687-4f45-9708-019B960494DF}">
-                <a14:hiddenLine xmlns="" xmlns:a14="http://schemas.microsoft.com/office/drawing/2010/main" w="9525">
+                <a14:hiddenLine xmlns:a14="http://schemas.microsoft.com/office/drawing/2010/main" xmlns="" w="9525">
                   <a:solidFill>
                     <a:srgbClr val="000000"/>
                   </a:solidFill>
@@ -10655,14 +10655,14 @@
             </a:ln>
             <a:extLst>
               <a:ext uri="{909E8E84-426E-40dd-AFC4-6F175D3DCCD1}">
-                <a14:hiddenFill xmlns="" xmlns:a14="http://schemas.microsoft.com/office/drawing/2010/main">
+                <a14:hiddenFill xmlns:a14="http://schemas.microsoft.com/office/drawing/2010/main" xmlns="">
                   <a:solidFill>
                     <a:srgbClr val="FFFFFF"/>
                   </a:solidFill>
                 </a14:hiddenFill>
               </a:ext>
               <a:ext uri="{91240B29-F687-4f45-9708-019B960494DF}">
-                <a14:hiddenLine xmlns="" xmlns:a14="http://schemas.microsoft.com/office/drawing/2010/main" w="9525">
+                <a14:hiddenLine xmlns:a14="http://schemas.microsoft.com/office/drawing/2010/main" xmlns="" w="9525">
                   <a:solidFill>
                     <a:srgbClr val="000000"/>
                   </a:solidFill>
@@ -10988,14 +10988,14 @@
             </a:ln>
             <a:extLst>
               <a:ext uri="{909E8E84-426E-40dd-AFC4-6F175D3DCCD1}">
-                <a14:hiddenFill xmlns="" xmlns:a14="http://schemas.microsoft.com/office/drawing/2010/main">
+                <a14:hiddenFill xmlns:a14="http://schemas.microsoft.com/office/drawing/2010/main" xmlns="">
                   <a:solidFill>
                     <a:srgbClr val="FFFFFF"/>
                   </a:solidFill>
                 </a14:hiddenFill>
               </a:ext>
               <a:ext uri="{91240B29-F687-4f45-9708-019B960494DF}">
-                <a14:hiddenLine xmlns="" xmlns:a14="http://schemas.microsoft.com/office/drawing/2010/main" w="9525">
+                <a14:hiddenLine xmlns:a14="http://schemas.microsoft.com/office/drawing/2010/main" xmlns="" w="9525">
                   <a:solidFill>
                     <a:srgbClr val="000000"/>
                   </a:solidFill>
@@ -11321,14 +11321,14 @@
             </a:ln>
             <a:extLst>
               <a:ext uri="{909E8E84-426E-40dd-AFC4-6F175D3DCCD1}">
-                <a14:hiddenFill xmlns="" xmlns:a14="http://schemas.microsoft.com/office/drawing/2010/main">
+                <a14:hiddenFill xmlns:a14="http://schemas.microsoft.com/office/drawing/2010/main" xmlns="">
                   <a:solidFill>
                     <a:srgbClr val="FFFFFF"/>
                   </a:solidFill>
                 </a14:hiddenFill>
               </a:ext>
               <a:ext uri="{91240B29-F687-4f45-9708-019B960494DF}">
-                <a14:hiddenLine xmlns="" xmlns:a14="http://schemas.microsoft.com/office/drawing/2010/main" w="9525">
+                <a14:hiddenLine xmlns:a14="http://schemas.microsoft.com/office/drawing/2010/main" xmlns="" w="9525">
                   <a:solidFill>
                     <a:srgbClr val="000000"/>
                   </a:solidFill>
@@ -11657,14 +11657,14 @@
             </a:ln>
             <a:extLst>
               <a:ext uri="{909E8E84-426E-40dd-AFC4-6F175D3DCCD1}">
-                <a14:hiddenFill xmlns="" xmlns:a14="http://schemas.microsoft.com/office/drawing/2010/main">
+                <a14:hiddenFill xmlns:a14="http://schemas.microsoft.com/office/drawing/2010/main" xmlns="">
                   <a:solidFill>
                     <a:srgbClr val="FFFFFF"/>
                   </a:solidFill>
                 </a14:hiddenFill>
               </a:ext>
               <a:ext uri="{91240B29-F687-4f45-9708-019B960494DF}">
-                <a14:hiddenLine xmlns="" xmlns:a14="http://schemas.microsoft.com/office/drawing/2010/main" w="9525">
+                <a14:hiddenLine xmlns:a14="http://schemas.microsoft.com/office/drawing/2010/main" xmlns="" w="9525">
                   <a:solidFill>
                     <a:srgbClr val="000000"/>
                   </a:solidFill>
@@ -12686,14 +12686,14 @@
           </a:ln>
           <a:extLst>
             <a:ext uri="{909E8E84-426E-40dd-AFC4-6F175D3DCCD1}">
-              <a14:hiddenFill xmlns="" xmlns:a14="http://schemas.microsoft.com/office/drawing/2010/main">
+              <a14:hiddenFill xmlns:a14="http://schemas.microsoft.com/office/drawing/2010/main" xmlns="">
                 <a:solidFill>
                   <a:srgbClr val="FFFFFF"/>
                 </a:solidFill>
               </a14:hiddenFill>
             </a:ext>
             <a:ext uri="{91240B29-F687-4f45-9708-019B960494DF}">
-              <a14:hiddenLine xmlns="" xmlns:a14="http://schemas.microsoft.com/office/drawing/2010/main" w="9525">
+              <a14:hiddenLine xmlns:a14="http://schemas.microsoft.com/office/drawing/2010/main" xmlns="" w="9525">
                 <a:solidFill>
                   <a:srgbClr val="000000"/>
                 </a:solidFill>
@@ -13365,14 +13365,14 @@
           </a:ln>
           <a:extLst>
             <a:ext uri="{909E8E84-426E-40dd-AFC4-6F175D3DCCD1}">
-              <a14:hiddenFill xmlns="" xmlns:a14="http://schemas.microsoft.com/office/drawing/2010/main">
+              <a14:hiddenFill xmlns:a14="http://schemas.microsoft.com/office/drawing/2010/main" xmlns="">
                 <a:solidFill>
                   <a:srgbClr val="FFFFFF"/>
                 </a:solidFill>
               </a14:hiddenFill>
             </a:ext>
             <a:ext uri="{91240B29-F687-4f45-9708-019B960494DF}">
-              <a14:hiddenLine xmlns="" xmlns:a14="http://schemas.microsoft.com/office/drawing/2010/main" w="9525">
+              <a14:hiddenLine xmlns:a14="http://schemas.microsoft.com/office/drawing/2010/main" xmlns="" w="9525">
                 <a:solidFill>
                   <a:srgbClr val="000000"/>
                 </a:solidFill>
@@ -13464,13 +13464,45 @@
                 <a:latin typeface="Calibri"/>
                 <a:cs typeface="Calibri"/>
               </a:rPr>
-              <a:t>Obi Griffith and Malachi Griffith  </a:t>
-            </a:r>
+              <a:t>Malachi Griffith, Obi Griffith, Isabel </a:t>
+            </a:r>
+            <a:r>
+              <a:rPr lang="en-US" sz="1800" dirty="0" err="1">
+                <a:latin typeface="Calibri"/>
+                <a:cs typeface="Calibri"/>
+              </a:rPr>
+              <a:t>Risch</a:t>
+            </a:r>
+            <a:r>
+              <a:rPr lang="en-US" sz="1800" dirty="0">
+                <a:latin typeface="Calibri"/>
+                <a:cs typeface="Calibri"/>
+              </a:rPr>
+              <a:t>, Vida </a:t>
+            </a:r>
+            <a:r>
+              <a:rPr lang="en-US" sz="1800" dirty="0" err="1">
+                <a:latin typeface="Calibri"/>
+                <a:cs typeface="Calibri"/>
+              </a:rPr>
+              <a:t>Talebian</a:t>
+            </a:r>
+            <a:endParaRPr lang="en-US" sz="1800" dirty="0">
+              <a:latin typeface="Calibri"/>
+              <a:cs typeface="Calibri"/>
+            </a:endParaRPr>
           </a:p>
           <a:p>
             <a:pPr>
               <a:defRPr/>
             </a:pPr>
+            <a:r>
+              <a:rPr lang="en-US" sz="1800" dirty="0">
+                <a:latin typeface="Calibri"/>
+                <a:cs typeface="Calibri"/>
+              </a:rPr>
+              <a:t> </a:t>
+            </a:r>
             <a:r>
               <a:rPr lang="en-US" sz="1800" dirty="0">
                 <a:ln w="1270">
@@ -13483,35 +13515,7 @@
                 <a:latin typeface="Calibri"/>
                 <a:cs typeface="Calibri"/>
               </a:rPr>
-              <a:t>RNA-</a:t>
-            </a:r>
-            <a:r>
-              <a:rPr lang="en-US" sz="1800" dirty="0" err="1">
-                <a:ln w="1270">
-                  <a:solidFill>
-                    <a:schemeClr val="tx1">
-                      <a:alpha val="38000"/>
-                    </a:schemeClr>
-                  </a:solidFill>
-                </a:ln>
-                <a:latin typeface="Calibri"/>
-                <a:cs typeface="Calibri"/>
-              </a:rPr>
-              <a:t>seq</a:t>
-            </a:r>
-            <a:r>
-              <a:rPr lang="en-US" sz="1800" dirty="0">
-                <a:ln w="1270">
-                  <a:solidFill>
-                    <a:schemeClr val="tx1">
-                      <a:alpha val="38000"/>
-                    </a:schemeClr>
-                  </a:solidFill>
-                </a:ln>
-                <a:latin typeface="Calibri"/>
-                <a:cs typeface="Calibri"/>
-              </a:rPr>
-              <a:t> Analysis 2023. </a:t>
+              <a:t>RNA-seq Analysis 2024. </a:t>
             </a:r>
             <a:r>
               <a:rPr lang="en-US" sz="1600" dirty="0">
@@ -13525,7 +13529,7 @@
                 <a:latin typeface="Calibri"/>
                 <a:cs typeface="Calibri"/>
               </a:rPr>
-              <a:t>July 17-19, 2023</a:t>
+              <a:t>June 17-19, 2024</a:t>
             </a:r>
           </a:p>
         </p:txBody>
@@ -13651,14 +13655,14 @@
           </a:ln>
           <a:extLst>
             <a:ext uri="{909E8E84-426E-40dd-AFC4-6F175D3DCCD1}">
-              <a14:hiddenFill xmlns="" xmlns:a14="http://schemas.microsoft.com/office/drawing/2010/main">
+              <a14:hiddenFill xmlns:a14="http://schemas.microsoft.com/office/drawing/2010/main" xmlns="">
                 <a:solidFill>
                   <a:srgbClr val="FFFFFF"/>
                 </a:solidFill>
               </a14:hiddenFill>
             </a:ext>
             <a:ext uri="{91240B29-F687-4f45-9708-019B960494DF}">
-              <a14:hiddenLine xmlns="" xmlns:a14="http://schemas.microsoft.com/office/drawing/2010/main" w="9525">
+              <a14:hiddenLine xmlns:a14="http://schemas.microsoft.com/office/drawing/2010/main" xmlns="" w="9525">
                 <a:solidFill>
                   <a:srgbClr val="000000"/>
                 </a:solidFill>
@@ -13848,14 +13852,14 @@
           </a:ln>
           <a:extLst>
             <a:ext uri="{909E8E84-426E-40dd-AFC4-6F175D3DCCD1}">
-              <a14:hiddenFill xmlns="" xmlns:a14="http://schemas.microsoft.com/office/drawing/2010/main">
+              <a14:hiddenFill xmlns:a14="http://schemas.microsoft.com/office/drawing/2010/main" xmlns="">
                 <a:solidFill>
                   <a:srgbClr val="FFFFFF"/>
                 </a:solidFill>
               </a14:hiddenFill>
             </a:ext>
             <a:ext uri="{91240B29-F687-4f45-9708-019B960494DF}">
-              <a14:hiddenLine xmlns="" xmlns:a14="http://schemas.microsoft.com/office/drawing/2010/main" w="9525">
+              <a14:hiddenLine xmlns:a14="http://schemas.microsoft.com/office/drawing/2010/main" xmlns="" w="9525">
                 <a:solidFill>
                   <a:srgbClr val="000000"/>
                 </a:solidFill>

--- a/assets/lectures/cbw/2024/full/RNASeq_Module3_AbundanceEstimation_DifferentialExpression.pptx
+++ b/assets/lectures/cbw/2024/full/RNASeq_Module3_AbundanceEstimation_DifferentialExpression.pptx
@@ -7971,7 +7971,13 @@
       </p:grpSpPr>
       <p:pic>
         <p:nvPicPr>
-          <p:cNvPr id="75" name="Google Shape;75;p2" descr="Picture 1.png"/>
+          <p:cNvPr id="2" name="Google Shape;131;p2">
+            <a:extLst>
+              <a:ext uri="{FF2B5EF4-FFF2-40B4-BE49-F238E27FC236}">
+                <a16:creationId xmlns:a16="http://schemas.microsoft.com/office/drawing/2014/main" id="{F555B6BD-B701-E98A-1383-D4E674AB4FD8}"/>
+              </a:ext>
+            </a:extLst>
+          </p:cNvPr>
           <p:cNvPicPr preferRelativeResize="0"/>
           <p:nvPr/>
         </p:nvPicPr>
@@ -7984,8 +7990,8 @@
         </p:blipFill>
         <p:spPr>
           <a:xfrm>
-            <a:off x="3135984" y="290447"/>
-            <a:ext cx="5920032" cy="5813143"/>
+            <a:off x="4095918" y="260648"/>
+            <a:ext cx="4000165" cy="6003046"/>
           </a:xfrm>
           <a:prstGeom prst="rect">
             <a:avLst/>
@@ -12939,10 +12945,10 @@
       </p:sp>
       <p:sp>
         <p:nvSpPr>
-          <p:cNvPr id="3" name="Google Shape;96;p5">
+          <p:cNvPr id="2" name="Google Shape;159;g24c7d206a1c_1_72">
             <a:extLst>
               <a:ext uri="{FF2B5EF4-FFF2-40B4-BE49-F238E27FC236}">
-                <a16:creationId xmlns:a16="http://schemas.microsoft.com/office/drawing/2014/main" id="{062BEBB6-2E61-E946-8C27-753EC9BCC154}"/>
+                <a16:creationId xmlns:a16="http://schemas.microsoft.com/office/drawing/2014/main" id="{BFCD04EF-24FB-5ECE-C8AC-6188B3B1C29B}"/>
               </a:ext>
             </a:extLst>
           </p:cNvPr>
@@ -12952,7 +12958,7 @@
         <p:spPr>
           <a:xfrm>
             <a:off x="2117124" y="3832139"/>
-            <a:ext cx="7951574" cy="300082"/>
+            <a:ext cx="7951500" cy="300000"/>
           </a:xfrm>
           <a:prstGeom prst="rect">
             <a:avLst/>
@@ -12968,11 +12974,25 @@
           </a:bodyPr>
           <a:lstStyle/>
           <a:p>
-            <a:pPr algn="ctr">
+            <a:pPr marL="0" marR="0" lvl="0" indent="0" algn="ctr" rtl="0">
+              <a:lnSpc>
+                <a:spcPct val="100000"/>
+              </a:lnSpc>
+              <a:spcBef>
+                <a:spcPts val="0"/>
+              </a:spcBef>
+              <a:spcAft>
+                <a:spcPts val="0"/>
+              </a:spcAft>
+              <a:buClr>
+                <a:srgbClr val="000000"/>
+              </a:buClr>
               <a:buSzPts val="1350"/>
+              <a:buFont typeface="Arial"/>
+              <a:buNone/>
             </a:pPr>
             <a:r>
-              <a:rPr lang="en-US" sz="1350">
+              <a:rPr lang="en-US" sz="1350" b="0" i="0" u="none" strike="noStrike" cap="none">
                 <a:solidFill>
                   <a:schemeClr val="dk1"/>
                 </a:solidFill>
@@ -12983,16 +13003,24 @@
               </a:rPr>
               <a:t>Workshop Sponsors:</a:t>
             </a:r>
-            <a:endParaRPr/>
+            <a:endParaRPr sz="1400" b="0" i="0" u="none" strike="noStrike" cap="none">
+              <a:solidFill>
+                <a:srgbClr val="000000"/>
+              </a:solidFill>
+              <a:latin typeface="Arial"/>
+              <a:ea typeface="Arial"/>
+              <a:cs typeface="Arial"/>
+              <a:sym typeface="Arial"/>
+            </a:endParaRPr>
           </a:p>
         </p:txBody>
       </p:sp>
       <p:pic>
         <p:nvPicPr>
-          <p:cNvPr id="4" name="Google Shape;97;p5">
+          <p:cNvPr id="8" name="Google Shape;160;g24c7d206a1c_1_72">
             <a:extLst>
               <a:ext uri="{FF2B5EF4-FFF2-40B4-BE49-F238E27FC236}">
-                <a16:creationId xmlns:a16="http://schemas.microsoft.com/office/drawing/2014/main" id="{77BA195E-E19B-EB49-BE88-4E70BDD119F1}"/>
+                <a16:creationId xmlns:a16="http://schemas.microsoft.com/office/drawing/2014/main" id="{00F167BD-5A2C-170A-006D-85B11075FD4B}"/>
               </a:ext>
             </a:extLst>
           </p:cNvPr>
@@ -13008,7 +13036,7 @@
         </p:blipFill>
         <p:spPr>
           <a:xfrm>
-            <a:off x="7090774" y="4479553"/>
+            <a:off x="8025272" y="4403978"/>
             <a:ext cx="1105775" cy="795825"/>
           </a:xfrm>
           <a:prstGeom prst="rect">
@@ -13022,10 +13050,10 @@
       </p:pic>
       <p:pic>
         <p:nvPicPr>
-          <p:cNvPr id="5" name="Google Shape;98;p5">
+          <p:cNvPr id="9" name="Google Shape;161;g24c7d206a1c_1_72">
             <a:extLst>
               <a:ext uri="{FF2B5EF4-FFF2-40B4-BE49-F238E27FC236}">
-                <a16:creationId xmlns:a16="http://schemas.microsoft.com/office/drawing/2014/main" id="{2E31D1A6-267D-3F47-A39F-F0E8F399E5A6}"/>
+                <a16:creationId xmlns:a16="http://schemas.microsoft.com/office/drawing/2014/main" id="{C93D3CF4-A222-E3BB-D1BB-078BD1B87271}"/>
               </a:ext>
             </a:extLst>
           </p:cNvPr>
@@ -13041,7 +13069,7 @@
         </p:blipFill>
         <p:spPr>
           <a:xfrm>
-            <a:off x="2126453" y="4645705"/>
+            <a:off x="3060951" y="4570130"/>
             <a:ext cx="2085975" cy="590550"/>
           </a:xfrm>
           <a:prstGeom prst="rect">
@@ -13055,10 +13083,10 @@
       </p:pic>
       <p:pic>
         <p:nvPicPr>
-          <p:cNvPr id="6" name="Google Shape;100;p5">
+          <p:cNvPr id="10" name="Google Shape;162;g24c7d206a1c_1_72">
             <a:extLst>
               <a:ext uri="{FF2B5EF4-FFF2-40B4-BE49-F238E27FC236}">
-                <a16:creationId xmlns:a16="http://schemas.microsoft.com/office/drawing/2014/main" id="{38C64343-2D11-3C48-8673-8EB951551BB3}"/>
+                <a16:creationId xmlns:a16="http://schemas.microsoft.com/office/drawing/2014/main" id="{2E59642A-CD54-03C5-3C90-9729A9C49308}"/>
               </a:ext>
             </a:extLst>
           </p:cNvPr>
@@ -13074,7 +13102,7 @@
         </p:blipFill>
         <p:spPr>
           <a:xfrm>
-            <a:off x="4773672" y="4319015"/>
+            <a:off x="5708169" y="4243440"/>
             <a:ext cx="1869300" cy="1243925"/>
           </a:xfrm>
           <a:prstGeom prst="rect">
@@ -13088,32 +13116,68 @@
       </p:pic>
       <p:pic>
         <p:nvPicPr>
-          <p:cNvPr id="7" name="Picture 6" descr="A picture containing graphical user interface&#10;&#10;Description automatically generated">
+          <p:cNvPr id="11" name="Google Shape;163;g24c7d206a1c_1_72" descr="A picture containing graphical user interface&#10;&#10;Description automatically generated">
             <a:extLst>
               <a:ext uri="{FF2B5EF4-FFF2-40B4-BE49-F238E27FC236}">
-                <a16:creationId xmlns:a16="http://schemas.microsoft.com/office/drawing/2014/main" id="{7F7AC2DD-2C2D-E246-BD68-C80394C1C722}"/>
+                <a16:creationId xmlns:a16="http://schemas.microsoft.com/office/drawing/2014/main" id="{2DBB153D-96D5-361C-EE16-1577C31533B1}"/>
               </a:ext>
             </a:extLst>
           </p:cNvPr>
-          <p:cNvPicPr>
-            <a:picLocks noChangeAspect="1"/>
-          </p:cNvPicPr>
+          <p:cNvPicPr preferRelativeResize="0"/>
           <p:nvPr/>
         </p:nvPicPr>
-        <p:blipFill>
-          <a:blip r:embed="rId6"/>
-          <a:stretch>
-            <a:fillRect/>
-          </a:stretch>
+        <p:blipFill rotWithShape="1">
+          <a:blip r:embed="rId6">
+            <a:alphaModFix/>
+          </a:blip>
+          <a:srcRect/>
+          <a:stretch/>
         </p:blipFill>
         <p:spPr>
           <a:xfrm>
-            <a:off x="8942610" y="4529349"/>
+            <a:off x="6502657" y="5353037"/>
             <a:ext cx="1143000" cy="685800"/>
           </a:xfrm>
           <a:prstGeom prst="rect">
             <a:avLst/>
           </a:prstGeom>
+          <a:noFill/>
+          <a:ln>
+            <a:noFill/>
+          </a:ln>
+        </p:spPr>
+      </p:pic>
+      <p:pic>
+        <p:nvPicPr>
+          <p:cNvPr id="12" name="Google Shape;164;g24c7d206a1c_1_72">
+            <a:extLst>
+              <a:ext uri="{FF2B5EF4-FFF2-40B4-BE49-F238E27FC236}">
+                <a16:creationId xmlns:a16="http://schemas.microsoft.com/office/drawing/2014/main" id="{BE3F63FB-9D09-0DCC-38F6-51E1BEAE4C78}"/>
+              </a:ext>
+            </a:extLst>
+          </p:cNvPr>
+          <p:cNvPicPr preferRelativeResize="0"/>
+          <p:nvPr/>
+        </p:nvPicPr>
+        <p:blipFill rotWithShape="1">
+          <a:blip r:embed="rId7">
+            <a:alphaModFix/>
+          </a:blip>
+          <a:srcRect/>
+          <a:stretch/>
+        </p:blipFill>
+        <p:spPr>
+          <a:xfrm>
+            <a:off x="4546337" y="5426596"/>
+            <a:ext cx="1311749" cy="538675"/>
+          </a:xfrm>
+          <a:prstGeom prst="rect">
+            <a:avLst/>
+          </a:prstGeom>
+          <a:noFill/>
+          <a:ln>
+            <a:noFill/>
+          </a:ln>
         </p:spPr>
       </p:pic>
     </p:spTree>

--- a/assets/lectures/cbw/2024/full/RNASeq_Module3_AbundanceEstimation_DifferentialExpression.pptx
+++ b/assets/lectures/cbw/2024/full/RNASeq_Module3_AbundanceEstimation_DifferentialExpression.pptx
@@ -5,7 +5,7 @@
     <p:sldMasterId id="2147483660" r:id="rId1"/>
   </p:sldMasterIdLst>
   <p:notesMasterIdLst>
-    <p:notesMasterId r:id="rId27"/>
+    <p:notesMasterId r:id="rId28"/>
   </p:notesMasterIdLst>
   <p:sldIdLst>
     <p:sldId id="256" r:id="rId2"/>
@@ -32,7 +32,8 @@
     <p:sldId id="532" r:id="rId23"/>
     <p:sldId id="533" r:id="rId24"/>
     <p:sldId id="535" r:id="rId25"/>
-    <p:sldId id="267" r:id="rId26"/>
+    <p:sldId id="540" r:id="rId26"/>
+    <p:sldId id="267" r:id="rId27"/>
   </p:sldIdLst>
   <p:sldSz cx="12192000" cy="6858000"/>
   <p:notesSz cx="6858000" cy="9144000"/>
@@ -221,7 +222,7 @@
           <a:p>
             <a:fld id="{827BD9F9-8452-A342-BB1B-28ECF19E2CC5}" type="datetimeFigureOut">
               <a:rPr lang="en-US" smtClean="0"/>
-              <a:t>6/16/24</a:t>
+              <a:t>6/18/24</a:t>
             </a:fld>
             <a:endParaRPr lang="en-US"/>
           </a:p>
@@ -1199,7 +1200,7 @@
             </a:pPr>
             <a:fld id="{00000000-1234-1234-1234-123412341234}" type="slidenum">
               <a:rPr lang="en-US"/>
-              <a:t>25</a:t>
+              <a:t>26</a:t>
             </a:fld>
             <a:endParaRPr/>
           </a:p>
@@ -3161,14 +3162,14 @@
           </a:ln>
           <a:extLst>
             <a:ext uri="{909E8E84-426E-40dd-AFC4-6F175D3DCCD1}">
-              <a14:hiddenFill xmlns="" xmlns:a14="http://schemas.microsoft.com/office/drawing/2010/main">
+              <a14:hiddenFill xmlns:a14="http://schemas.microsoft.com/office/drawing/2010/main" xmlns="">
                 <a:solidFill>
                   <a:srgbClr val="FFFFFF"/>
                 </a:solidFill>
               </a14:hiddenFill>
             </a:ext>
             <a:ext uri="{91240B29-F687-4f45-9708-019B960494DF}">
-              <a14:hiddenLine xmlns="" xmlns:a14="http://schemas.microsoft.com/office/drawing/2010/main" w="9525">
+              <a14:hiddenLine xmlns:a14="http://schemas.microsoft.com/office/drawing/2010/main" xmlns="" w="9525">
                 <a:solidFill>
                   <a:srgbClr val="000000"/>
                 </a:solidFill>
@@ -3418,14 +3419,14 @@
           </a:ln>
           <a:extLst>
             <a:ext uri="{909E8E84-426E-40dd-AFC4-6F175D3DCCD1}">
-              <a14:hiddenFill xmlns="" xmlns:a14="http://schemas.microsoft.com/office/drawing/2010/main">
+              <a14:hiddenFill xmlns:a14="http://schemas.microsoft.com/office/drawing/2010/main" xmlns="">
                 <a:solidFill>
                   <a:srgbClr val="FFFFFF"/>
                 </a:solidFill>
               </a14:hiddenFill>
             </a:ext>
             <a:ext uri="{91240B29-F687-4f45-9708-019B960494DF}">
-              <a14:hiddenLine xmlns="" xmlns:a14="http://schemas.microsoft.com/office/drawing/2010/main" w="9525">
+              <a14:hiddenLine xmlns:a14="http://schemas.microsoft.com/office/drawing/2010/main" xmlns="" w="9525">
                 <a:solidFill>
                   <a:srgbClr val="000000"/>
                 </a:solidFill>
@@ -4938,14 +4939,14 @@
           </a:ln>
           <a:extLst>
             <a:ext uri="{909E8E84-426E-40dd-AFC4-6F175D3DCCD1}">
-              <a14:hiddenFill xmlns="" xmlns:a14="http://schemas.microsoft.com/office/drawing/2010/main">
+              <a14:hiddenFill xmlns:a14="http://schemas.microsoft.com/office/drawing/2010/main" xmlns="">
                 <a:solidFill>
                   <a:srgbClr val="FFFFFF"/>
                 </a:solidFill>
               </a14:hiddenFill>
             </a:ext>
             <a:ext uri="{91240B29-F687-4f45-9708-019B960494DF}">
-              <a14:hiddenLine xmlns="" xmlns:a14="http://schemas.microsoft.com/office/drawing/2010/main" w="9525">
+              <a14:hiddenLine xmlns:a14="http://schemas.microsoft.com/office/drawing/2010/main" xmlns="" w="9525">
                 <a:solidFill>
                   <a:srgbClr val="000000"/>
                 </a:solidFill>
@@ -5971,7 +5972,7 @@
 </file>
 
 <file path=ppt/slides/slide11.xml><?xml version="1.0" encoding="utf-8"?>
-<p:sld xmlns:a="http://schemas.openxmlformats.org/drawingml/2006/main" xmlns:r="http://schemas.openxmlformats.org/officeDocument/2006/relationships" xmlns:p="http://schemas.openxmlformats.org/presentationml/2006/main">
+<p:sld xmlns:a="http://schemas.openxmlformats.org/drawingml/2006/main" xmlns:r="http://schemas.openxmlformats.org/officeDocument/2006/relationships" xmlns:p="http://schemas.openxmlformats.org/presentationml/2006/main" show="0">
   <p:cSld>
     <p:spTree>
       <p:nvGrpSpPr>
@@ -6109,7 +6110,7 @@
 </file>
 
 <file path=ppt/slides/slide12.xml><?xml version="1.0" encoding="utf-8"?>
-<p:sld xmlns:a="http://schemas.openxmlformats.org/drawingml/2006/main" xmlns:r="http://schemas.openxmlformats.org/officeDocument/2006/relationships" xmlns:p="http://schemas.openxmlformats.org/presentationml/2006/main">
+<p:sld xmlns:a="http://schemas.openxmlformats.org/drawingml/2006/main" xmlns:r="http://schemas.openxmlformats.org/officeDocument/2006/relationships" xmlns:p="http://schemas.openxmlformats.org/presentationml/2006/main" show="0">
   <p:cSld>
     <p:spTree>
       <p:nvGrpSpPr>
@@ -9034,74 +9035,11 @@
               </a:lnSpc>
             </a:pPr>
             <a:r>
-              <a:rPr lang="en-US" sz="1800" dirty="0">
+              <a:rPr lang="en-US" sz="2200" dirty="0">
                 <a:latin typeface="Calibri" charset="0"/>
                 <a:ea typeface="ＭＳ Ｐゴシック" charset="0"/>
               </a:rPr>
-              <a:t>For RNA-</a:t>
-            </a:r>
-            <a:r>
-              <a:rPr lang="en-US" sz="1800" dirty="0" err="1">
-                <a:latin typeface="Calibri" charset="0"/>
-                <a:ea typeface="ＭＳ Ｐゴシック" charset="0"/>
-              </a:rPr>
-              <a:t>seq</a:t>
-            </a:r>
-            <a:r>
-              <a:rPr lang="en-US" sz="1800" dirty="0">
-                <a:latin typeface="Calibri" charset="0"/>
-                <a:ea typeface="ＭＳ Ｐゴシック" charset="0"/>
-              </a:rPr>
-              <a:t> data we still rarely have sufficient sample size and clinical details but this is changing</a:t>
-            </a:r>
-          </a:p>
-          <a:p>
-            <a:pPr lvl="2">
-              <a:lnSpc>
-                <a:spcPct val="110000"/>
-              </a:lnSpc>
-            </a:pPr>
-            <a:r>
-              <a:rPr lang="en-US" sz="1800" dirty="0">
-                <a:latin typeface="Calibri" charset="0"/>
-                <a:ea typeface="ＭＳ Ｐゴシック" charset="0"/>
-              </a:rPr>
               <a:t>Weka is a good learning tool</a:t>
-            </a:r>
-          </a:p>
-          <a:p>
-            <a:pPr lvl="2">
-              <a:lnSpc>
-                <a:spcPct val="110000"/>
-              </a:lnSpc>
-            </a:pPr>
-            <a:r>
-              <a:rPr lang="en-US" sz="1800" dirty="0" err="1">
-                <a:latin typeface="Calibri" charset="0"/>
-                <a:ea typeface="ＭＳ Ｐゴシック" charset="0"/>
-              </a:rPr>
-              <a:t>RandomForests</a:t>
-            </a:r>
-            <a:r>
-              <a:rPr lang="en-US" sz="1800" dirty="0">
-                <a:latin typeface="Calibri" charset="0"/>
-                <a:ea typeface="ＭＳ Ｐゴシック" charset="0"/>
-              </a:rPr>
-              <a:t> R package (</a:t>
-            </a:r>
-            <a:r>
-              <a:rPr lang="en-US" sz="1800" dirty="0" err="1">
-                <a:latin typeface="Calibri" charset="0"/>
-                <a:ea typeface="ＭＳ Ｐゴシック" charset="0"/>
-              </a:rPr>
-              <a:t>biostar</a:t>
-            </a:r>
-            <a:r>
-              <a:rPr lang="en-US" sz="1800" dirty="0">
-                <a:latin typeface="Calibri" charset="0"/>
-                <a:ea typeface="ＭＳ Ｐゴシック" charset="0"/>
-              </a:rPr>
-              <a:t> tutorial being developed)</a:t>
             </a:r>
           </a:p>
           <a:p>
@@ -9521,14 +9459,14 @@
           </a:ln>
           <a:extLst>
             <a:ext uri="{909E8E84-426E-40dd-AFC4-6F175D3DCCD1}">
-              <a14:hiddenFill xmlns:a14="http://schemas.microsoft.com/office/drawing/2010/main" xmlns="">
+              <a14:hiddenFill xmlns="" xmlns:a14="http://schemas.microsoft.com/office/drawing/2010/main">
                 <a:solidFill>
                   <a:srgbClr val="FFFFFF"/>
                 </a:solidFill>
               </a14:hiddenFill>
             </a:ext>
             <a:ext uri="{91240B29-F687-4f45-9708-019B960494DF}">
-              <a14:hiddenLine xmlns:a14="http://schemas.microsoft.com/office/drawing/2010/main" xmlns="" w="9525">
+              <a14:hiddenLine xmlns="" xmlns:a14="http://schemas.microsoft.com/office/drawing/2010/main" w="9525">
                 <a:solidFill>
                   <a:srgbClr val="000000"/>
                 </a:solidFill>
@@ -10009,14 +9947,14 @@
             </a:ln>
             <a:extLst>
               <a:ext uri="{909E8E84-426E-40dd-AFC4-6F175D3DCCD1}">
-                <a14:hiddenFill xmlns:a14="http://schemas.microsoft.com/office/drawing/2010/main" xmlns="">
+                <a14:hiddenFill xmlns="" xmlns:a14="http://schemas.microsoft.com/office/drawing/2010/main">
                   <a:solidFill>
                     <a:srgbClr val="FFFFFF"/>
                   </a:solidFill>
                 </a14:hiddenFill>
               </a:ext>
               <a:ext uri="{91240B29-F687-4f45-9708-019B960494DF}">
-                <a14:hiddenLine xmlns:a14="http://schemas.microsoft.com/office/drawing/2010/main" xmlns="" w="9525">
+                <a14:hiddenLine xmlns="" xmlns:a14="http://schemas.microsoft.com/office/drawing/2010/main" w="9525">
                   <a:solidFill>
                     <a:srgbClr val="000000"/>
                   </a:solidFill>
@@ -10328,14 +10266,14 @@
             </a:ln>
             <a:extLst>
               <a:ext uri="{909E8E84-426E-40dd-AFC4-6F175D3DCCD1}">
-                <a14:hiddenFill xmlns:a14="http://schemas.microsoft.com/office/drawing/2010/main" xmlns="">
+                <a14:hiddenFill xmlns="" xmlns:a14="http://schemas.microsoft.com/office/drawing/2010/main">
                   <a:solidFill>
                     <a:srgbClr val="FFFFFF"/>
                   </a:solidFill>
                 </a14:hiddenFill>
               </a:ext>
               <a:ext uri="{91240B29-F687-4f45-9708-019B960494DF}">
-                <a14:hiddenLine xmlns:a14="http://schemas.microsoft.com/office/drawing/2010/main" xmlns="" w="9525">
+                <a14:hiddenLine xmlns="" xmlns:a14="http://schemas.microsoft.com/office/drawing/2010/main" w="9525">
                   <a:solidFill>
                     <a:srgbClr val="000000"/>
                   </a:solidFill>
@@ -10661,14 +10599,14 @@
             </a:ln>
             <a:extLst>
               <a:ext uri="{909E8E84-426E-40dd-AFC4-6F175D3DCCD1}">
-                <a14:hiddenFill xmlns:a14="http://schemas.microsoft.com/office/drawing/2010/main" xmlns="">
+                <a14:hiddenFill xmlns="" xmlns:a14="http://schemas.microsoft.com/office/drawing/2010/main">
                   <a:solidFill>
                     <a:srgbClr val="FFFFFF"/>
                   </a:solidFill>
                 </a14:hiddenFill>
               </a:ext>
               <a:ext uri="{91240B29-F687-4f45-9708-019B960494DF}">
-                <a14:hiddenLine xmlns:a14="http://schemas.microsoft.com/office/drawing/2010/main" xmlns="" w="9525">
+                <a14:hiddenLine xmlns="" xmlns:a14="http://schemas.microsoft.com/office/drawing/2010/main" w="9525">
                   <a:solidFill>
                     <a:srgbClr val="000000"/>
                   </a:solidFill>
@@ -10994,14 +10932,14 @@
             </a:ln>
             <a:extLst>
               <a:ext uri="{909E8E84-426E-40dd-AFC4-6F175D3DCCD1}">
-                <a14:hiddenFill xmlns:a14="http://schemas.microsoft.com/office/drawing/2010/main" xmlns="">
+                <a14:hiddenFill xmlns="" xmlns:a14="http://schemas.microsoft.com/office/drawing/2010/main">
                   <a:solidFill>
                     <a:srgbClr val="FFFFFF"/>
                   </a:solidFill>
                 </a14:hiddenFill>
               </a:ext>
               <a:ext uri="{91240B29-F687-4f45-9708-019B960494DF}">
-                <a14:hiddenLine xmlns:a14="http://schemas.microsoft.com/office/drawing/2010/main" xmlns="" w="9525">
+                <a14:hiddenLine xmlns="" xmlns:a14="http://schemas.microsoft.com/office/drawing/2010/main" w="9525">
                   <a:solidFill>
                     <a:srgbClr val="000000"/>
                   </a:solidFill>
@@ -11327,14 +11265,14 @@
             </a:ln>
             <a:extLst>
               <a:ext uri="{909E8E84-426E-40dd-AFC4-6F175D3DCCD1}">
-                <a14:hiddenFill xmlns:a14="http://schemas.microsoft.com/office/drawing/2010/main" xmlns="">
+                <a14:hiddenFill xmlns="" xmlns:a14="http://schemas.microsoft.com/office/drawing/2010/main">
                   <a:solidFill>
                     <a:srgbClr val="FFFFFF"/>
                   </a:solidFill>
                 </a14:hiddenFill>
               </a:ext>
               <a:ext uri="{91240B29-F687-4f45-9708-019B960494DF}">
-                <a14:hiddenLine xmlns:a14="http://schemas.microsoft.com/office/drawing/2010/main" xmlns="" w="9525">
+                <a14:hiddenLine xmlns="" xmlns:a14="http://schemas.microsoft.com/office/drawing/2010/main" w="9525">
                   <a:solidFill>
                     <a:srgbClr val="000000"/>
                   </a:solidFill>
@@ -11663,14 +11601,14 @@
             </a:ln>
             <a:extLst>
               <a:ext uri="{909E8E84-426E-40dd-AFC4-6F175D3DCCD1}">
-                <a14:hiddenFill xmlns:a14="http://schemas.microsoft.com/office/drawing/2010/main" xmlns="">
+                <a14:hiddenFill xmlns="" xmlns:a14="http://schemas.microsoft.com/office/drawing/2010/main">
                   <a:solidFill>
                     <a:srgbClr val="FFFFFF"/>
                   </a:solidFill>
                 </a14:hiddenFill>
               </a:ext>
               <a:ext uri="{91240B29-F687-4f45-9708-019B960494DF}">
-                <a14:hiddenLine xmlns:a14="http://schemas.microsoft.com/office/drawing/2010/main" xmlns="" w="9525">
+                <a14:hiddenLine xmlns="" xmlns:a14="http://schemas.microsoft.com/office/drawing/2010/main" w="9525">
                   <a:solidFill>
                     <a:srgbClr val="000000"/>
                   </a:solidFill>
@@ -12692,14 +12630,14 @@
           </a:ln>
           <a:extLst>
             <a:ext uri="{909E8E84-426E-40dd-AFC4-6F175D3DCCD1}">
-              <a14:hiddenFill xmlns:a14="http://schemas.microsoft.com/office/drawing/2010/main" xmlns="">
+              <a14:hiddenFill xmlns="" xmlns:a14="http://schemas.microsoft.com/office/drawing/2010/main">
                 <a:solidFill>
                   <a:srgbClr val="FFFFFF"/>
                 </a:solidFill>
               </a14:hiddenFill>
             </a:ext>
             <a:ext uri="{91240B29-F687-4f45-9708-019B960494DF}">
-              <a14:hiddenLine xmlns:a14="http://schemas.microsoft.com/office/drawing/2010/main" xmlns="" w="9525">
+              <a14:hiddenLine xmlns="" xmlns:a14="http://schemas.microsoft.com/office/drawing/2010/main" w="9525">
                 <a:solidFill>
                   <a:srgbClr val="000000"/>
                 </a:solidFill>
@@ -12873,6 +12811,151 @@
 </file>
 
 <file path=ppt/slides/slide25.xml><?xml version="1.0" encoding="utf-8"?>
+<p:sld xmlns:a="http://schemas.openxmlformats.org/drawingml/2006/main" xmlns:r="http://schemas.openxmlformats.org/officeDocument/2006/relationships" xmlns:p="http://schemas.openxmlformats.org/presentationml/2006/main">
+  <p:cSld>
+    <p:spTree>
+      <p:nvGrpSpPr>
+        <p:cNvPr id="1" name=""/>
+        <p:cNvGrpSpPr/>
+        <p:nvPr/>
+      </p:nvGrpSpPr>
+      <p:grpSpPr>
+        <a:xfrm>
+          <a:off x="0" y="0"/>
+          <a:ext cx="0" cy="0"/>
+          <a:chOff x="0" y="0"/>
+          <a:chExt cx="0" cy="0"/>
+        </a:xfrm>
+      </p:grpSpPr>
+      <p:pic>
+        <p:nvPicPr>
+          <p:cNvPr id="1026" name="Picture 2" descr="RNA-seq_Flowchart4">
+            <a:extLst>
+              <a:ext uri="{FF2B5EF4-FFF2-40B4-BE49-F238E27FC236}">
+                <a16:creationId xmlns:a16="http://schemas.microsoft.com/office/drawing/2014/main" id="{EE617E35-C486-68D3-DE4F-56E74F782E5D}"/>
+              </a:ext>
+            </a:extLst>
+          </p:cNvPr>
+          <p:cNvPicPr>
+            <a:picLocks noGrp="1" noChangeAspect="1" noChangeArrowheads="1"/>
+          </p:cNvPicPr>
+          <p:nvPr>
+            <p:ph idx="1"/>
+          </p:nvPr>
+        </p:nvPicPr>
+        <p:blipFill>
+          <a:blip r:embed="rId2">
+            <a:extLst>
+              <a:ext uri="{28A0092B-C50C-407E-A947-70E740481C1C}">
+                <a14:useLocalDpi xmlns:a14="http://schemas.microsoft.com/office/drawing/2010/main" val="0"/>
+              </a:ext>
+            </a:extLst>
+          </a:blip>
+          <a:srcRect/>
+          <a:stretch>
+            <a:fillRect/>
+          </a:stretch>
+        </p:blipFill>
+        <p:spPr bwMode="auto">
+          <a:xfrm>
+            <a:off x="1531920" y="1742736"/>
+            <a:ext cx="8625333" cy="4104826"/>
+          </a:xfrm>
+          <a:prstGeom prst="rect">
+            <a:avLst/>
+          </a:prstGeom>
+          <a:noFill/>
+          <a:extLst>
+            <a:ext uri="{909E8E84-426E-40DD-AFC4-6F175D3DCCD1}">
+              <a14:hiddenFill xmlns:a14="http://schemas.microsoft.com/office/drawing/2010/main">
+                <a:solidFill>
+                  <a:srgbClr val="FFFFFF"/>
+                </a:solidFill>
+              </a14:hiddenFill>
+            </a:ext>
+          </a:extLst>
+        </p:spPr>
+      </p:pic>
+      <p:sp>
+        <p:nvSpPr>
+          <p:cNvPr id="4" name="Title 4">
+            <a:extLst>
+              <a:ext uri="{FF2B5EF4-FFF2-40B4-BE49-F238E27FC236}">
+                <a16:creationId xmlns:a16="http://schemas.microsoft.com/office/drawing/2014/main" id="{304E825B-1737-E6EA-951F-9DD79B7899AF}"/>
+              </a:ext>
+            </a:extLst>
+          </p:cNvPr>
+          <p:cNvSpPr>
+            <a:spLocks noGrp="1"/>
+          </p:cNvSpPr>
+          <p:nvPr>
+            <p:ph type="title"/>
+          </p:nvPr>
+        </p:nvSpPr>
+        <p:spPr>
+          <a:xfrm>
+            <a:off x="1676400" y="0"/>
+            <a:ext cx="8839200" cy="1143000"/>
+          </a:xfrm>
+        </p:spPr>
+        <p:txBody>
+          <a:bodyPr>
+            <a:normAutofit fontScale="90000"/>
+          </a:bodyPr>
+          <a:lstStyle/>
+          <a:p>
+            <a:pPr algn="ctr"/>
+            <a:r>
+              <a:rPr lang="en-US" b="1" dirty="0">
+                <a:latin typeface="Calibri" charset="0"/>
+                <a:ea typeface="ＭＳ Ｐゴシック" charset="0"/>
+              </a:rPr>
+              <a:t>HISAT2/</a:t>
+            </a:r>
+            <a:r>
+              <a:rPr lang="en-US" b="1" dirty="0" err="1">
+                <a:latin typeface="Calibri" charset="0"/>
+                <a:ea typeface="ＭＳ Ｐゴシック" charset="0"/>
+              </a:rPr>
+              <a:t>htseq</a:t>
+            </a:r>
+            <a:r>
+              <a:rPr lang="en-US" b="1" dirty="0">
+                <a:latin typeface="Calibri" charset="0"/>
+                <a:ea typeface="ＭＳ Ｐゴシック" charset="0"/>
+              </a:rPr>
+              <a:t>/DESeq2</a:t>
+            </a:r>
+            <a:br>
+              <a:rPr lang="en-US" b="1" dirty="0">
+                <a:latin typeface="Calibri" charset="0"/>
+                <a:ea typeface="ＭＳ Ｐゴシック" charset="0"/>
+              </a:rPr>
+            </a:br>
+            <a:r>
+              <a:rPr lang="en-US" b="1" dirty="0">
+                <a:latin typeface="Calibri" charset="0"/>
+                <a:ea typeface="ＭＳ Ｐゴシック" charset="0"/>
+              </a:rPr>
+              <a:t>RNA-seq Pipeline</a:t>
+            </a:r>
+          </a:p>
+        </p:txBody>
+      </p:sp>
+    </p:spTree>
+    <p:extLst>
+      <p:ext uri="{BB962C8B-B14F-4D97-AF65-F5344CB8AC3E}">
+        <p14:creationId xmlns:p14="http://schemas.microsoft.com/office/powerpoint/2010/main" val="4006304077"/>
+      </p:ext>
+    </p:extLst>
+  </p:cSld>
+  <p:clrMapOvr>
+    <a:masterClrMapping/>
+  </p:clrMapOvr>
+</p:sld>
+</file>
+
+<file path=ppt/slides/slide26.xml><?xml version="1.0" encoding="utf-8"?>
 <p:sld xmlns:a="http://schemas.openxmlformats.org/drawingml/2006/main" xmlns:r="http://schemas.openxmlformats.org/officeDocument/2006/relationships" xmlns:p="http://schemas.openxmlformats.org/presentationml/2006/main">
   <p:cSld>
     <p:spTree>
@@ -13429,14 +13512,14 @@
           </a:ln>
           <a:extLst>
             <a:ext uri="{909E8E84-426E-40dd-AFC4-6F175D3DCCD1}">
-              <a14:hiddenFill xmlns:a14="http://schemas.microsoft.com/office/drawing/2010/main" xmlns="">
+              <a14:hiddenFill xmlns="" xmlns:a14="http://schemas.microsoft.com/office/drawing/2010/main">
                 <a:solidFill>
                   <a:srgbClr val="FFFFFF"/>
                 </a:solidFill>
               </a14:hiddenFill>
             </a:ext>
             <a:ext uri="{91240B29-F687-4f45-9708-019B960494DF}">
-              <a14:hiddenLine xmlns:a14="http://schemas.microsoft.com/office/drawing/2010/main" xmlns="" w="9525">
+              <a14:hiddenLine xmlns="" xmlns:a14="http://schemas.microsoft.com/office/drawing/2010/main" w="9525">
                 <a:solidFill>
                   <a:srgbClr val="000000"/>
                 </a:solidFill>
@@ -13719,14 +13802,14 @@
           </a:ln>
           <a:extLst>
             <a:ext uri="{909E8E84-426E-40dd-AFC4-6F175D3DCCD1}">
-              <a14:hiddenFill xmlns:a14="http://schemas.microsoft.com/office/drawing/2010/main" xmlns="">
+              <a14:hiddenFill xmlns="" xmlns:a14="http://schemas.microsoft.com/office/drawing/2010/main">
                 <a:solidFill>
                   <a:srgbClr val="FFFFFF"/>
                 </a:solidFill>
               </a14:hiddenFill>
             </a:ext>
             <a:ext uri="{91240B29-F687-4f45-9708-019B960494DF}">
-              <a14:hiddenLine xmlns:a14="http://schemas.microsoft.com/office/drawing/2010/main" xmlns="" w="9525">
+              <a14:hiddenLine xmlns="" xmlns:a14="http://schemas.microsoft.com/office/drawing/2010/main" w="9525">
                 <a:solidFill>
                   <a:srgbClr val="000000"/>
                 </a:solidFill>
@@ -13916,14 +13999,14 @@
           </a:ln>
           <a:extLst>
             <a:ext uri="{909E8E84-426E-40dd-AFC4-6F175D3DCCD1}">
-              <a14:hiddenFill xmlns:a14="http://schemas.microsoft.com/office/drawing/2010/main" xmlns="">
+              <a14:hiddenFill xmlns="" xmlns:a14="http://schemas.microsoft.com/office/drawing/2010/main">
                 <a:solidFill>
                   <a:srgbClr val="FFFFFF"/>
                 </a:solidFill>
               </a14:hiddenFill>
             </a:ext>
             <a:ext uri="{91240B29-F687-4f45-9708-019B960494DF}">
-              <a14:hiddenLine xmlns:a14="http://schemas.microsoft.com/office/drawing/2010/main" xmlns="" w="9525">
+              <a14:hiddenLine xmlns="" xmlns:a14="http://schemas.microsoft.com/office/drawing/2010/main" w="9525">
                 <a:solidFill>
                   <a:srgbClr val="000000"/>
                 </a:solidFill>
